--- a/doc/ref_model/artefacts/Chapter-3-ODIM-Architecture.pptx
+++ b/doc/ref_model/artefacts/Chapter-3-ODIM-Architecture.pptx
@@ -104,6 +104,11 @@
       </a:defRPr>
     </a:lvl9pPr>
   </p:defaultTextStyle>
+  <p:extLst>
+    <p:ext uri="{EFAFB233-063F-42B5-8137-9DF3F51BA10A}">
+      <p15:sldGuideLst xmlns:p15="http://schemas.microsoft.com/office/powerpoint/2012/main"/>
+    </p:ext>
+  </p:extLst>
 </p:presentation>
 </file>
 
@@ -3913,7 +3918,7 @@
               </a:ln>
               <a:extLst>
                 <a:ext uri="{91240B29-F687-4f45-9708-019B960494DF}">
-                  <a14:hiddenLine xmlns:a14="http://schemas.microsoft.com/office/drawing/2010/main" xmlns="" w="9525">
+                  <a14:hiddenLine xmlns="" xmlns:a14="http://schemas.microsoft.com/office/drawing/2010/main" w="9525">
                     <a:solidFill>
                       <a:srgbClr val="000000"/>
                     </a:solidFill>
@@ -4343,7 +4348,7 @@
               </a:ln>
               <a:extLst>
                 <a:ext uri="{91240B29-F687-4f45-9708-019B960494DF}">
-                  <a14:hiddenLine xmlns:a14="http://schemas.microsoft.com/office/drawing/2010/main" xmlns="" w="9525">
+                  <a14:hiddenLine xmlns="" xmlns:a14="http://schemas.microsoft.com/office/drawing/2010/main" w="9525">
                     <a:solidFill>
                       <a:srgbClr val="000000"/>
                     </a:solidFill>
@@ -5204,7 +5209,7 @@
               </a:ln>
               <a:extLst>
                 <a:ext uri="{91240B29-F687-4f45-9708-019B960494DF}">
-                  <a14:hiddenLine xmlns:a14="http://schemas.microsoft.com/office/drawing/2010/main" xmlns="" w="9525">
+                  <a14:hiddenLine xmlns="" xmlns:a14="http://schemas.microsoft.com/office/drawing/2010/main" w="9525">
                     <a:solidFill>
                       <a:srgbClr val="000000"/>
                     </a:solidFill>
@@ -5460,7 +5465,7 @@
               </a:ln>
               <a:extLst>
                 <a:ext uri="{91240B29-F687-4f45-9708-019B960494DF}">
-                  <a14:hiddenLine xmlns:a14="http://schemas.microsoft.com/office/drawing/2010/main" xmlns="" w="9525">
+                  <a14:hiddenLine xmlns="" xmlns:a14="http://schemas.microsoft.com/office/drawing/2010/main" w="9525">
                     <a:solidFill>
                       <a:srgbClr val="000000"/>
                     </a:solidFill>
@@ -5657,7 +5662,7 @@
               </a:ln>
               <a:extLst>
                 <a:ext uri="{91240B29-F687-4f45-9708-019B960494DF}">
-                  <a14:hiddenLine xmlns="" xmlns:a14="http://schemas.microsoft.com/office/drawing/2010/main" w="9525">
+                  <a14:hiddenLine xmlns:a14="http://schemas.microsoft.com/office/drawing/2010/main" xmlns="" w="9525">
                     <a:solidFill>
                       <a:srgbClr val="000000"/>
                     </a:solidFill>
@@ -6294,7 +6299,7 @@
               </a:ln>
               <a:extLst>
                 <a:ext uri="{91240B29-F687-4f45-9708-019B960494DF}">
-                  <a14:hiddenLine xmlns="" xmlns:a14="http://schemas.microsoft.com/office/drawing/2010/main" w="9525">
+                  <a14:hiddenLine xmlns:a14="http://schemas.microsoft.com/office/drawing/2010/main" xmlns="" w="9525">
                     <a:solidFill>
                       <a:srgbClr val="000000"/>
                     </a:solidFill>
@@ -6509,7 +6514,7 @@
               </a:ln>
               <a:extLst>
                 <a:ext uri="{91240B29-F687-4f45-9708-019B960494DF}">
-                  <a14:hiddenLine xmlns="" xmlns:a14="http://schemas.microsoft.com/office/drawing/2010/main" w="9525">
+                  <a14:hiddenLine xmlns:a14="http://schemas.microsoft.com/office/drawing/2010/main" xmlns="" w="9525">
                     <a:solidFill>
                       <a:srgbClr val="000000"/>
                     </a:solidFill>
@@ -7146,7 +7151,7 @@
               </a:ln>
               <a:extLst>
                 <a:ext uri="{91240B29-F687-4f45-9708-019B960494DF}">
-                  <a14:hiddenLine xmlns="" xmlns:a14="http://schemas.microsoft.com/office/drawing/2010/main" w="9525">
+                  <a14:hiddenLine xmlns:a14="http://schemas.microsoft.com/office/drawing/2010/main" xmlns="" w="9525">
                     <a:solidFill>
                       <a:srgbClr val="000000"/>
                     </a:solidFill>
@@ -7560,7 +7565,7 @@
               </a:ln>
               <a:extLst>
                 <a:ext uri="{91240B29-F687-4f45-9708-019B960494DF}">
-                  <a14:hiddenLine xmlns:a14="http://schemas.microsoft.com/office/drawing/2010/main" xmlns="" w="9525">
+                  <a14:hiddenLine xmlns="" xmlns:a14="http://schemas.microsoft.com/office/drawing/2010/main" w="9525">
                     <a:solidFill>
                       <a:srgbClr val="000000"/>
                     </a:solidFill>
@@ -7816,7 +7821,7 @@
               </a:ln>
               <a:extLst>
                 <a:ext uri="{91240B29-F687-4f45-9708-019B960494DF}">
-                  <a14:hiddenLine xmlns:a14="http://schemas.microsoft.com/office/drawing/2010/main" xmlns="" w="9525">
+                  <a14:hiddenLine xmlns="" xmlns:a14="http://schemas.microsoft.com/office/drawing/2010/main" w="9525">
                     <a:solidFill>
                       <a:srgbClr val="000000"/>
                     </a:solidFill>
@@ -7883,8 +7888,8 @@
           </p:nvSpPr>
           <p:spPr>
             <a:xfrm>
-              <a:off x="1568778" y="5140612"/>
-              <a:ext cx="988732" cy="276999"/>
+              <a:off x="1742127" y="5140612"/>
+              <a:ext cx="642034" cy="276999"/>
             </a:xfrm>
             <a:prstGeom prst="rect">
               <a:avLst/>
@@ -7900,7 +7905,7 @@
               <a:pPr algn="ctr"/>
               <a:r>
                 <a:rPr lang="en-US" sz="1200" dirty="0"/>
-                <a:t>HPE Servers</a:t>
+                <a:t>Servers</a:t>
               </a:r>
             </a:p>
           </p:txBody>
@@ -7919,8 +7924,8 @@
           </p:nvSpPr>
           <p:spPr>
             <a:xfrm>
-              <a:off x="2759317" y="5140612"/>
-              <a:ext cx="1003929" cy="276999"/>
+              <a:off x="2981846" y="5140612"/>
+              <a:ext cx="558871" cy="276999"/>
             </a:xfrm>
             <a:prstGeom prst="rect">
               <a:avLst/>
@@ -7936,7 +7941,7 @@
               <a:pPr algn="ctr"/>
               <a:r>
                 <a:rPr lang="en-US" sz="1200" dirty="0"/>
-                <a:t>Aruba Fabric</a:t>
+                <a:t>Fabric</a:t>
               </a:r>
             </a:p>
           </p:txBody>
@@ -8157,7 +8162,7 @@
               </a:ln>
               <a:extLst>
                 <a:ext uri="{91240B29-F687-4f45-9708-019B960494DF}">
-                  <a14:hiddenLine xmlns:a14="http://schemas.microsoft.com/office/drawing/2010/main" xmlns="" w="9525">
+                  <a14:hiddenLine xmlns="" xmlns:a14="http://schemas.microsoft.com/office/drawing/2010/main" w="9525">
                     <a:solidFill>
                       <a:srgbClr val="000000"/>
                     </a:solidFill>
@@ -8384,7 +8389,7 @@
               </a:ln>
               <a:extLst>
                 <a:ext uri="{91240B29-F687-4f45-9708-019B960494DF}">
-                  <a14:hiddenLine xmlns:a14="http://schemas.microsoft.com/office/drawing/2010/main" xmlns="" w="9525">
+                  <a14:hiddenLine xmlns="" xmlns:a14="http://schemas.microsoft.com/office/drawing/2010/main" w="9525">
                     <a:solidFill>
                       <a:srgbClr val="000000"/>
                     </a:solidFill>
@@ -9985,8 +9990,8 @@
           </p:nvSpPr>
           <p:spPr>
             <a:xfrm>
-              <a:off x="1613913" y="3817406"/>
-              <a:ext cx="974947" cy="323165"/>
+              <a:off x="1710894" y="3817406"/>
+              <a:ext cx="780984" cy="323165"/>
             </a:xfrm>
             <a:prstGeom prst="rect">
               <a:avLst/>
@@ -10019,7 +10024,7 @@
                     <a:schemeClr val="bg1"/>
                   </a:solidFill>
                 </a:rPr>
-                <a:t>HPE iLO Plugin</a:t>
+                <a:t>BMC Plugin</a:t>
               </a:r>
             </a:p>
           </p:txBody>
@@ -10038,8 +10043,8 @@
           </p:nvSpPr>
           <p:spPr>
             <a:xfrm>
-              <a:off x="2783308" y="3817406"/>
-              <a:ext cx="862737" cy="323165"/>
+              <a:off x="2790523" y="3817406"/>
+              <a:ext cx="848310" cy="323165"/>
             </a:xfrm>
             <a:prstGeom prst="rect">
               <a:avLst/>
@@ -10072,7 +10077,7 @@
                     <a:schemeClr val="bg1"/>
                   </a:solidFill>
                 </a:rPr>
-                <a:t>Aruba Plugin</a:t>
+                <a:t>Fabric Plugin</a:t>
               </a:r>
             </a:p>
           </p:txBody>
@@ -10189,7 +10194,7 @@
             </a:pPr>
             <a:r>
               <a:rPr lang="en-US" sz="1200" dirty="0"/>
-              <a:t>HPE Resource Aggregator for ODIM</a:t>
+              <a:t>Resource Aggregator for ODIM</a:t>
             </a:r>
             <a:r>
               <a:rPr lang="en-US" sz="1200" baseline="30000" dirty="0">
